--- a/EI-2021-2022-InteligenciaArtificial-TP1_NumeroAluno_1b.pptx
+++ b/EI-2021-2022-InteligenciaArtificial-TP1_NumeroAluno_1b.pptx
@@ -11920,8 +11920,8 @@
         </p:nvSpPr>
         <p:spPr bwMode="auto">
           <a:xfrm>
-            <a:off x="430481" y="1603893"/>
-            <a:ext cx="8509454" cy="1471172"/>
+            <a:off x="260350" y="1343633"/>
+            <a:ext cx="8679585" cy="2037481"/>
           </a:xfrm>
           <a:prstGeom prst="rect">
             <a:avLst/>
@@ -12084,31 +12084,31 @@
               <a:buNone/>
             </a:pPr>
             <a:r>
-              <a:rPr lang="pt-PT" altLang="pt-PT" sz="1400" dirty="0" smtClean="0">
+              <a:rPr lang="pt-PT" altLang="pt-PT" sz="1600" dirty="0" smtClean="0">
                 <a:cs typeface="Arial" panose="020B0604020202020204" pitchFamily="34" charset="0"/>
               </a:rPr>
               <a:t>■ Hexxagon foi </a:t>
             </a:r>
             <a:r>
-              <a:rPr lang="pt-PT" altLang="pt-PT" sz="1400" dirty="0">
+              <a:rPr lang="pt-PT" altLang="pt-PT" sz="1600" dirty="0">
                 <a:cs typeface="Arial" panose="020B0604020202020204" pitchFamily="34" charset="0"/>
               </a:rPr>
               <a:t>criado </a:t>
             </a:r>
             <a:r>
-              <a:rPr lang="pt-PT" altLang="pt-PT" sz="1400" dirty="0" smtClean="0">
+              <a:rPr lang="pt-PT" altLang="pt-PT" sz="1600" dirty="0" smtClean="0">
                 <a:cs typeface="Arial" panose="020B0604020202020204" pitchFamily="34" charset="0"/>
               </a:rPr>
               <a:t>por Jason </a:t>
             </a:r>
             <a:r>
-              <a:rPr lang="pt-PT" altLang="pt-PT" sz="1400" dirty="0">
+              <a:rPr lang="pt-PT" altLang="pt-PT" sz="1600" dirty="0">
                 <a:cs typeface="Arial" panose="020B0604020202020204" pitchFamily="34" charset="0"/>
               </a:rPr>
               <a:t>Blochowiak, Abraham Edlin </a:t>
             </a:r>
             <a:r>
-              <a:rPr lang="pt-PT" altLang="pt-PT" sz="1400" dirty="0" smtClean="0">
+              <a:rPr lang="pt-PT" altLang="pt-PT" sz="1600" dirty="0" smtClean="0">
                 <a:cs typeface="Arial" panose="020B0604020202020204" pitchFamily="34" charset="0"/>
               </a:rPr>
               <a:t>e lançado em 1992. </a:t>
@@ -12122,24 +12122,24 @@
               <a:buNone/>
             </a:pPr>
             <a:r>
-              <a:rPr lang="pt-PT" altLang="pt-PT" sz="1400" dirty="0" smtClean="0">
+              <a:rPr lang="pt-PT" altLang="pt-PT" sz="1600" dirty="0" smtClean="0">
                 <a:cs typeface="Arial" panose="020B0604020202020204" pitchFamily="34" charset="0"/>
               </a:rPr>
               <a:t>■ </a:t>
             </a:r>
             <a:r>
-              <a:rPr lang="pt-PT" altLang="pt-PT" sz="1400" dirty="0">
+              <a:rPr lang="pt-PT" altLang="pt-PT" sz="1600" dirty="0">
                 <a:cs typeface="Arial" panose="020B0604020202020204" pitchFamily="34" charset="0"/>
               </a:rPr>
               <a:t>É um jogo de tabuleiro de estratégia e abstração </a:t>
             </a:r>
             <a:r>
-              <a:rPr lang="pt-PT" altLang="pt-PT" sz="1400" dirty="0" smtClean="0">
+              <a:rPr lang="pt-PT" altLang="pt-PT" sz="1600" dirty="0" smtClean="0">
                 <a:cs typeface="Arial" panose="020B0604020202020204" pitchFamily="34" charset="0"/>
               </a:rPr>
               <a:t>onde dois jogadores tentam tomar controlo do tabuleiro, avançando as peças pelas casas permitidas e infetando as peças do adversário. </a:t>
             </a:r>
-            <a:endParaRPr lang="pt-PT" altLang="pt-PT" sz="1400" dirty="0">
+            <a:endParaRPr lang="pt-PT" altLang="pt-PT" sz="1600" dirty="0">
               <a:cs typeface="Arial" panose="020B0604020202020204" pitchFamily="34" charset="0"/>
             </a:endParaRPr>
           </a:p>
@@ -12151,18 +12151,18 @@
               <a:buNone/>
             </a:pPr>
             <a:r>
-              <a:rPr lang="pt-PT" altLang="pt-PT" sz="1400" dirty="0">
+              <a:rPr lang="pt-PT" altLang="pt-PT" sz="1600" dirty="0">
                 <a:cs typeface="Arial" panose="020B0604020202020204" pitchFamily="34" charset="0"/>
               </a:rPr>
               <a:t>■ Cada jogador começa com </a:t>
             </a:r>
             <a:r>
-              <a:rPr lang="pt-PT" altLang="pt-PT" sz="1400" smtClean="0">
+              <a:rPr lang="pt-PT" altLang="pt-PT" sz="1600" dirty="0" smtClean="0">
                 <a:cs typeface="Arial" panose="020B0604020202020204" pitchFamily="34" charset="0"/>
               </a:rPr>
               <a:t>3 peças, sendo no total 6 peças, uma em cada canto do tabuleiro.</a:t>
             </a:r>
-            <a:endParaRPr lang="pt-PT" altLang="pt-PT" sz="1400" dirty="0">
+            <a:endParaRPr lang="pt-PT" altLang="pt-PT" sz="1600" dirty="0">
               <a:cs typeface="Arial" panose="020B0604020202020204" pitchFamily="34" charset="0"/>
             </a:endParaRPr>
           </a:p>
@@ -12620,8 +12620,8 @@
         </p:blipFill>
         <p:spPr>
           <a:xfrm>
-            <a:off x="2667000" y="3758164"/>
-            <a:ext cx="3510342" cy="2459896"/>
+            <a:off x="2822647" y="3554024"/>
+            <a:ext cx="3581400" cy="2509690"/>
           </a:xfrm>
           <a:prstGeom prst="rect">
             <a:avLst/>
@@ -12944,8 +12944,8 @@
         </p:nvSpPr>
         <p:spPr bwMode="auto">
           <a:xfrm>
-            <a:off x="430481" y="1603893"/>
-            <a:ext cx="8509454" cy="3933384"/>
+            <a:off x="353594" y="1212076"/>
+            <a:ext cx="5666206" cy="4622804"/>
           </a:xfrm>
           <a:prstGeom prst="rect">
             <a:avLst/>
@@ -13111,8 +13111,17 @@
               <a:rPr lang="pt-PT" altLang="pt-PT" sz="1600" dirty="0">
                 <a:cs typeface="Arial" panose="020B0604020202020204" pitchFamily="34" charset="0"/>
               </a:rPr>
-              <a:t>■ A cada turno, o jogador pode jogar uma das suas peças para algum lugar à distância de 1 ou 2 hexágonos em qualquer direção.</a:t>
-            </a:r>
+              <a:t>■ A cada turno, o jogador pode jogar uma das suas peças para algum lugar à distância de 1 ou 2 hexágonos em qualquer direção</a:t>
+            </a:r>
+            <a:r>
+              <a:rPr lang="pt-PT" altLang="pt-PT" sz="1600" dirty="0" smtClean="0">
+                <a:cs typeface="Arial" panose="020B0604020202020204" pitchFamily="34" charset="0"/>
+              </a:rPr>
+              <a:t>.</a:t>
+            </a:r>
+            <a:endParaRPr lang="pt-PT" altLang="pt-PT" sz="1600" dirty="0">
+              <a:cs typeface="Arial" panose="020B0604020202020204" pitchFamily="34" charset="0"/>
+            </a:endParaRPr>
           </a:p>
           <a:p>
             <a:pPr algn="l">
@@ -13122,10 +13131,16 @@
               <a:buNone/>
             </a:pPr>
             <a:r>
+              <a:rPr lang="pt-PT" altLang="pt-PT" sz="1600" dirty="0" smtClean="0">
+                <a:cs typeface="Arial" panose="020B0604020202020204" pitchFamily="34" charset="0"/>
+              </a:rPr>
+              <a:t>■ Depois </a:t>
+            </a:r>
+            <a:r>
               <a:rPr lang="pt-PT" altLang="pt-PT" sz="1600" dirty="0">
                 <a:cs typeface="Arial" panose="020B0604020202020204" pitchFamily="34" charset="0"/>
               </a:rPr>
-              <a:t>■ Depois de jogar, se o lugar de chegada for adjacente ao lugar de partida, uma nova peça é criada no lugar de partida. Se o lugar de chegada estiver adjacente a alguma peça </a:t>
+              <a:t>de jogar, se o lugar de chegada for adjacente ao lugar de partida, uma nova peça é criada no lugar de partida. Se o lugar de chegada estiver adjacente a alguma peça </a:t>
             </a:r>
             <a:r>
               <a:rPr lang="pt-PT" altLang="pt-PT" sz="1600" dirty="0" smtClean="0">
@@ -13137,22 +13152,17 @@
               <a:rPr lang="pt-PT" altLang="pt-PT" sz="1600" dirty="0">
                 <a:cs typeface="Arial" panose="020B0604020202020204" pitchFamily="34" charset="0"/>
               </a:rPr>
-              <a:t>, todas as adjacentes são transformadas em peças do jogador desse turno.7</a:t>
-            </a:r>
-          </a:p>
-          <a:p>
-            <a:pPr algn="l">
-              <a:lnSpc>
-                <a:spcPct val="150000"/>
-              </a:lnSpc>
-              <a:buNone/>
-            </a:pPr>
-            <a:r>
-              <a:rPr lang="pt-PT" altLang="pt-PT" sz="1600" dirty="0">
+              <a:t>, todas as adjacentes são transformadas em peças do jogador desse turno</a:t>
+            </a:r>
+            <a:r>
+              <a:rPr lang="pt-PT" altLang="pt-PT" sz="1600" dirty="0" smtClean="0">
                 <a:cs typeface="Arial" panose="020B0604020202020204" pitchFamily="34" charset="0"/>
               </a:rPr>
-              <a:t>■ Jogadores tem de mover peças a menos que não seja possível, o que tem de passar obrigatoriamente.</a:t>
-            </a:r>
+              <a:t>.</a:t>
+            </a:r>
+            <a:endParaRPr lang="pt-PT" altLang="pt-PT" sz="1600" dirty="0">
+              <a:cs typeface="Arial" panose="020B0604020202020204" pitchFamily="34" charset="0"/>
+            </a:endParaRPr>
           </a:p>
           <a:p>
             <a:pPr>
@@ -13162,10 +13172,64 @@
               <a:buNone/>
             </a:pPr>
             <a:r>
+              <a:rPr lang="pt-PT" altLang="pt-PT" sz="1600" dirty="0" smtClean="0">
+                <a:cs typeface="Arial" panose="020B0604020202020204" pitchFamily="34" charset="0"/>
+              </a:rPr>
+              <a:t>■ </a:t>
+            </a:r>
+            <a:r>
               <a:rPr lang="pt-PT" altLang="pt-PT" sz="1600" dirty="0">
                 <a:cs typeface="Arial" panose="020B0604020202020204" pitchFamily="34" charset="0"/>
               </a:rPr>
-              <a:t>■ O jogo acaba quando todos os espaços forem cobertos, sendo o jogador com mais peças que ganha, ou quando algum dos jogadores ficar sem peças. Empate pode ocorrer na situação que o tabuleiro esteja cheio e o número de peças dos dois jogadores for o mesmo.</a:t>
+              <a:t>O jogo acaba quando todos os espaços forem cobertos, sendo o jogador com mais peças </a:t>
+            </a:r>
+            <a:r>
+              <a:rPr lang="pt-PT" altLang="pt-PT" sz="1600" dirty="0" smtClean="0">
+                <a:cs typeface="Arial" panose="020B0604020202020204" pitchFamily="34" charset="0"/>
+              </a:rPr>
+              <a:t>o vencedor da partida. Empate </a:t>
+            </a:r>
+            <a:r>
+              <a:rPr lang="pt-PT" altLang="pt-PT" sz="1600" dirty="0">
+                <a:cs typeface="Arial" panose="020B0604020202020204" pitchFamily="34" charset="0"/>
+              </a:rPr>
+              <a:t>pode ocorrer </a:t>
+            </a:r>
+            <a:r>
+              <a:rPr lang="pt-PT" altLang="pt-PT" sz="1600" dirty="0" smtClean="0">
+                <a:cs typeface="Arial" panose="020B0604020202020204" pitchFamily="34" charset="0"/>
+              </a:rPr>
+              <a:t>quando </a:t>
+            </a:r>
+            <a:r>
+              <a:rPr lang="pt-PT" altLang="pt-PT" sz="1600" dirty="0" smtClean="0">
+                <a:cs typeface="Arial" panose="020B0604020202020204" pitchFamily="34" charset="0"/>
+              </a:rPr>
+              <a:t>o </a:t>
+            </a:r>
+            <a:r>
+              <a:rPr lang="pt-PT" altLang="pt-PT" sz="1600" dirty="0">
+                <a:cs typeface="Arial" panose="020B0604020202020204" pitchFamily="34" charset="0"/>
+              </a:rPr>
+              <a:t>tabuleiro </a:t>
+            </a:r>
+            <a:r>
+              <a:rPr lang="pt-PT" altLang="pt-PT" sz="1600" dirty="0" smtClean="0">
+                <a:cs typeface="Arial" panose="020B0604020202020204" pitchFamily="34" charset="0"/>
+              </a:rPr>
+              <a:t>está</a:t>
+            </a:r>
+            <a:r>
+              <a:rPr lang="pt-PT" altLang="pt-PT" sz="1600" dirty="0" smtClean="0">
+                <a:cs typeface="Arial" panose="020B0604020202020204" pitchFamily="34" charset="0"/>
+              </a:rPr>
+              <a:t> </a:t>
+            </a:r>
+            <a:r>
+              <a:rPr lang="pt-PT" altLang="pt-PT" sz="1600" dirty="0">
+                <a:cs typeface="Arial" panose="020B0604020202020204" pitchFamily="34" charset="0"/>
+              </a:rPr>
+              <a:t>cheio e o número de peças dos dois jogadores for o mesmo.</a:t>
             </a:r>
           </a:p>
         </p:txBody>
@@ -13600,6 +13664,96 @@
           </a:p>
         </p:txBody>
       </p:sp>
+      <p:pic>
+        <p:nvPicPr>
+          <p:cNvPr id="4" name="Picture 3"/>
+          <p:cNvPicPr>
+            <a:picLocks noChangeAspect="1"/>
+          </p:cNvPicPr>
+          <p:nvPr/>
+        </p:nvPicPr>
+        <p:blipFill>
+          <a:blip r:embed="rId7" cstate="print">
+            <a:extLst>
+              <a:ext uri="{28A0092B-C50C-407E-A947-70E740481C1C}">
+                <a14:useLocalDpi xmlns:a14="http://schemas.microsoft.com/office/drawing/2010/main" val="0"/>
+              </a:ext>
+            </a:extLst>
+          </a:blip>
+          <a:stretch>
+            <a:fillRect/>
+          </a:stretch>
+        </p:blipFill>
+        <p:spPr>
+          <a:xfrm>
+            <a:off x="6518405" y="1194910"/>
+            <a:ext cx="2244595" cy="2357012"/>
+          </a:xfrm>
+          <a:prstGeom prst="rect">
+            <a:avLst/>
+          </a:prstGeom>
+        </p:spPr>
+      </p:pic>
+      <p:cxnSp>
+        <p:nvCxnSpPr>
+          <p:cNvPr id="23" name="Straight Arrow Connector 22"/>
+          <p:cNvCxnSpPr/>
+          <p:nvPr/>
+        </p:nvCxnSpPr>
+        <p:spPr>
+          <a:xfrm flipV="1">
+            <a:off x="5410200" y="1676400"/>
+            <a:ext cx="1831975" cy="152400"/>
+          </a:xfrm>
+          <a:prstGeom prst="straightConnector1">
+            <a:avLst/>
+          </a:prstGeom>
+          <a:ln w="38100">
+            <a:solidFill>
+              <a:srgbClr val="C00000"/>
+            </a:solidFill>
+            <a:tailEnd type="triangle"/>
+          </a:ln>
+        </p:spPr>
+        <p:style>
+          <a:lnRef idx="1">
+            <a:schemeClr val="accent1"/>
+          </a:lnRef>
+          <a:fillRef idx="0">
+            <a:schemeClr val="accent1"/>
+          </a:fillRef>
+          <a:effectRef idx="0">
+            <a:schemeClr val="accent1"/>
+          </a:effectRef>
+          <a:fontRef idx="minor">
+            <a:schemeClr val="tx1"/>
+          </a:fontRef>
+        </p:style>
+      </p:cxnSp>
+      <p:pic>
+        <p:nvPicPr>
+          <p:cNvPr id="9" name="Picture 8"/>
+          <p:cNvPicPr>
+            <a:picLocks noChangeAspect="1"/>
+          </p:cNvPicPr>
+          <p:nvPr/>
+        </p:nvPicPr>
+        <p:blipFill>
+          <a:blip r:embed="rId8"/>
+          <a:stretch>
+            <a:fillRect/>
+          </a:stretch>
+        </p:blipFill>
+        <p:spPr>
+          <a:xfrm>
+            <a:off x="6505360" y="3686557"/>
+            <a:ext cx="2270684" cy="2405386"/>
+          </a:xfrm>
+          <a:prstGeom prst="rect">
+            <a:avLst/>
+          </a:prstGeom>
+        </p:spPr>
+      </p:pic>
     </p:spTree>
     <p:extLst>
       <p:ext uri="{BB962C8B-B14F-4D97-AF65-F5344CB8AC3E}">
@@ -13941,7 +14095,7 @@
         <p:spPr bwMode="auto">
           <a:xfrm>
             <a:off x="430481" y="1603893"/>
-            <a:ext cx="8509454" cy="3083921"/>
+            <a:ext cx="8509454" cy="4179606"/>
           </a:xfrm>
           <a:prstGeom prst="rect">
             <a:avLst/>
@@ -14097,39 +14251,157 @@
             </a:lvl9pPr>
           </a:lstStyle>
           <a:p>
-            <a:r>
-              <a:rPr lang="pt-PT" altLang="pt-PT" sz="1050" dirty="0">
+            <a:pPr>
+              <a:buNone/>
+            </a:pPr>
+            <a:r>
+              <a:rPr lang="pt-PT" altLang="pt-PT" sz="1600" dirty="0" smtClean="0">
                 <a:cs typeface="Arial" panose="020B0604020202020204" pitchFamily="34" charset="0"/>
               </a:rPr>
               <a:t>■ </a:t>
             </a:r>
             <a:r>
-              <a:rPr lang="pt-PT" sz="1800" dirty="0"/>
-              <a:t>A implementação tem como requisitos 3 tipos de AI e usuários.</a:t>
-            </a:r>
-          </a:p>
-          <a:p>
-            <a:r>
-              <a:rPr lang="pt-PT" sz="1800" dirty="0"/>
-              <a:t>O jogo é composto por 3 tipos diferentes de AI que permite ao utilizador escolher a mais adequada para jogar. </a:t>
-            </a:r>
-          </a:p>
-          <a:p>
-            <a:r>
-              <a:rPr lang="pt-PT" sz="1800" dirty="0"/>
-              <a:t>No nível “fácil” foi implementada a estratégia random, mais rápida relativamente ao nível médio e ao nível difícil, mas perdendo sempre para estes dois últimos níveis.</a:t>
-            </a:r>
-          </a:p>
-          <a:p>
-            <a:r>
-              <a:rPr lang="pt-PT" sz="1800" dirty="0"/>
-              <a:t>O nível “médio” é composto por um minimax com profundidade 1, o nível médio ganha sempre ao nível fácil, no entanto perde sempre contra o nível difícil. </a:t>
-            </a:r>
-          </a:p>
-          <a:p>
-            <a:r>
-              <a:rPr lang="pt-PT" sz="1800" dirty="0"/>
-              <a:t>O nível “difícil” é composto por um minimax de profundidade 2, que ganha sempre aos outros dois níveis.</a:t>
+              <a:rPr lang="pt-PT" altLang="pt-PT" sz="1600" dirty="0" smtClean="0"/>
+              <a:t>Na implementação é requirida a existência de</a:t>
+            </a:r>
+            <a:r>
+              <a:rPr lang="pt-PT" sz="1600" dirty="0" smtClean="0"/>
+              <a:t> 3 tipos de players controlados por IA e também a possibilidade de jogar IA vs Humano ou Humano vs Humano.</a:t>
+            </a:r>
+          </a:p>
+          <a:p>
+            <a:pPr>
+              <a:buNone/>
+            </a:pPr>
+            <a:endParaRPr lang="pt-PT" sz="1600" dirty="0"/>
+          </a:p>
+          <a:p>
+            <a:pPr>
+              <a:buNone/>
+            </a:pPr>
+            <a:r>
+              <a:rPr lang="pt-PT" altLang="pt-PT" sz="1600" dirty="0">
+                <a:cs typeface="Arial" panose="020B0604020202020204" pitchFamily="34" charset="0"/>
+              </a:rPr>
+              <a:t>■ </a:t>
+            </a:r>
+            <a:r>
+              <a:rPr lang="pt-PT" sz="1600" dirty="0" smtClean="0"/>
+              <a:t>Com as IA diferentes, o utilizador podrá escolher entre 3 dificuldades para o jogo, fácil, médio e difícil.</a:t>
+            </a:r>
+            <a:r>
+              <a:rPr lang="pt-PT" sz="1600" dirty="0"/>
+              <a:t> </a:t>
+            </a:r>
+            <a:endParaRPr lang="pt-PT" sz="1600" dirty="0" smtClean="0"/>
+          </a:p>
+          <a:p>
+            <a:pPr>
+              <a:buNone/>
+            </a:pPr>
+            <a:endParaRPr lang="pt-PT" sz="1600" dirty="0"/>
+          </a:p>
+          <a:p>
+            <a:pPr>
+              <a:buNone/>
+            </a:pPr>
+            <a:r>
+              <a:rPr lang="pt-PT" altLang="pt-PT" sz="1600" dirty="0">
+                <a:cs typeface="Arial" panose="020B0604020202020204" pitchFamily="34" charset="0"/>
+              </a:rPr>
+              <a:t>■ </a:t>
+            </a:r>
+            <a:r>
+              <a:rPr lang="pt-PT" sz="1600" dirty="0" smtClean="0"/>
+              <a:t>No </a:t>
+            </a:r>
+            <a:r>
+              <a:rPr lang="pt-PT" sz="1600" dirty="0"/>
+              <a:t>nível “fácil” foi implementada a estratégia </a:t>
+            </a:r>
+            <a:r>
+              <a:rPr lang="pt-PT" sz="1600" dirty="0" smtClean="0"/>
+              <a:t>“Random”, com uma execução mais </a:t>
+            </a:r>
+            <a:r>
+              <a:rPr lang="pt-PT" sz="1600" dirty="0"/>
+              <a:t>rápida </a:t>
+            </a:r>
+            <a:r>
+              <a:rPr lang="pt-PT" sz="1600" dirty="0" smtClean="0"/>
+              <a:t>comparativamente ao </a:t>
+            </a:r>
+            <a:r>
+              <a:rPr lang="pt-PT" sz="1600" dirty="0"/>
+              <a:t>nível </a:t>
+            </a:r>
+            <a:r>
+              <a:rPr lang="pt-PT" sz="1600" dirty="0" smtClean="0"/>
+              <a:t>médio que utiliza o algoritmo “Greedy” </a:t>
+            </a:r>
+            <a:r>
+              <a:rPr lang="pt-PT" sz="1600" dirty="0"/>
+              <a:t>e ao nível </a:t>
+            </a:r>
+            <a:r>
+              <a:rPr lang="pt-PT" sz="1600" dirty="0" smtClean="0"/>
+              <a:t>difícil que usa o “</a:t>
+            </a:r>
+            <a:r>
+              <a:rPr lang="pt-PT" sz="1600" smtClean="0"/>
+              <a:t>Minimax”.</a:t>
+            </a:r>
+            <a:endParaRPr lang="pt-PT" sz="1600" dirty="0" smtClean="0"/>
+          </a:p>
+          <a:p>
+            <a:pPr>
+              <a:buNone/>
+            </a:pPr>
+            <a:endParaRPr lang="pt-PT" sz="1600" dirty="0"/>
+          </a:p>
+          <a:p>
+            <a:pPr>
+              <a:buNone/>
+            </a:pPr>
+            <a:r>
+              <a:rPr lang="pt-PT" altLang="pt-PT" sz="1600" dirty="0">
+                <a:cs typeface="Arial" panose="020B0604020202020204" pitchFamily="34" charset="0"/>
+              </a:rPr>
+              <a:t>■ </a:t>
+            </a:r>
+            <a:r>
+              <a:rPr lang="pt-PT" sz="1600" dirty="0" smtClean="0"/>
+              <a:t>O </a:t>
+            </a:r>
+            <a:r>
+              <a:rPr lang="pt-PT" sz="1600" dirty="0"/>
+              <a:t>nível “médio” é composto por um minimax com profundidade 1, o nível médio ganha sempre ao nível fácil, no entanto perde sempre contra o nível difícil. </a:t>
+            </a:r>
+            <a:endParaRPr lang="pt-PT" sz="1600" dirty="0" smtClean="0"/>
+          </a:p>
+          <a:p>
+            <a:pPr>
+              <a:buNone/>
+            </a:pPr>
+            <a:endParaRPr lang="pt-PT" sz="1600" dirty="0"/>
+          </a:p>
+          <a:p>
+            <a:pPr>
+              <a:buNone/>
+            </a:pPr>
+            <a:r>
+              <a:rPr lang="pt-PT" altLang="pt-PT" sz="1600" dirty="0">
+                <a:cs typeface="Arial" panose="020B0604020202020204" pitchFamily="34" charset="0"/>
+              </a:rPr>
+              <a:t>■ </a:t>
+            </a:r>
+            <a:r>
+              <a:rPr lang="pt-PT" sz="1600" dirty="0" smtClean="0"/>
+              <a:t>O </a:t>
+            </a:r>
+            <a:r>
+              <a:rPr lang="pt-PT" sz="1600" dirty="0"/>
+              <a:t>nível “difícil” é composto por um minimax de profundidade 2, que ganha sempre aos outros dois níveis.</a:t>
             </a:r>
           </a:p>
         </p:txBody>
@@ -15912,7 +16184,7 @@
         </p:nvSpPr>
         <p:spPr bwMode="auto">
           <a:xfrm>
-            <a:off x="430481" y="1603893"/>
+            <a:off x="430481" y="1272803"/>
             <a:ext cx="8509454" cy="416011"/>
           </a:xfrm>
           <a:prstGeom prst="rect">
@@ -17289,7 +17561,7 @@
       </p:sp>
       <p:pic>
         <p:nvPicPr>
-          <p:cNvPr id="3" name="Picture 2"/>
+          <p:cNvPr id="10" name="Picture 9"/>
           <p:cNvPicPr>
             <a:picLocks noChangeAspect="1"/>
           </p:cNvPicPr>
@@ -17303,8 +17575,8 @@
         </p:blipFill>
         <p:spPr>
           <a:xfrm>
-            <a:off x="685800" y="2057244"/>
-            <a:ext cx="2648955" cy="3784222"/>
+            <a:off x="549230" y="1783025"/>
+            <a:ext cx="3000794" cy="4544059"/>
           </a:xfrm>
           <a:prstGeom prst="rect">
             <a:avLst/>
@@ -17395,8 +17667,8 @@
         </p:nvCxnSpPr>
         <p:spPr>
           <a:xfrm flipH="1">
-            <a:off x="2971800" y="3869099"/>
-            <a:ext cx="1219199" cy="52362"/>
+            <a:off x="3231777" y="3869099"/>
+            <a:ext cx="959222" cy="80256"/>
           </a:xfrm>
           <a:prstGeom prst="straightConnector1">
             <a:avLst/>
@@ -17431,8 +17703,8 @@
         </p:nvCxnSpPr>
         <p:spPr>
           <a:xfrm flipH="1">
-            <a:off x="2514600" y="4505472"/>
-            <a:ext cx="1618129" cy="140254"/>
+            <a:off x="2590800" y="4505472"/>
+            <a:ext cx="1541930" cy="346618"/>
           </a:xfrm>
           <a:prstGeom prst="straightConnector1">
             <a:avLst/>

--- a/EI-2021-2022-InteligenciaArtificial-TP1_NumeroAluno_1b.pptx
+++ b/EI-2021-2022-InteligenciaArtificial-TP1_NumeroAluno_1b.pptx
@@ -6057,9 +6057,6 @@
               </a:rPr>
               <a:t>, são apresentadas questões em linha de comandos e de seguida, é gerada uma janela de pygame com o jogo .</a:t>
             </a:r>
-            <a:endParaRPr lang="pt-PT" altLang="pt-PT" sz="1600" dirty="0">
-              <a:cs typeface="Arial" panose="020B0604020202020204" pitchFamily="34" charset="0"/>
-            </a:endParaRPr>
           </a:p>
         </p:txBody>
       </p:sp>
@@ -6957,13 +6954,7 @@
               <a:rPr lang="pt-PT" altLang="pt-PT" sz="1400" dirty="0" smtClean="0">
                 <a:cs typeface="Arial" panose="020B0604020202020204" pitchFamily="34" charset="0"/>
               </a:rPr>
-              <a:t>Agora o </a:t>
-            </a:r>
-            <a:r>
-              <a:rPr lang="pt-PT" altLang="pt-PT" sz="1400" dirty="0" smtClean="0">
-                <a:cs typeface="Arial" panose="020B0604020202020204" pitchFamily="34" charset="0"/>
-              </a:rPr>
-              <a:t>player 1 clica na bola vermelha, que tal como no modo anterior lhe apresenta as jogadas possíveis.</a:t>
+              <a:t>Agora o player 1 clica na bola vermelha, que tal como no modo anterior lhe apresenta as jogadas possíveis.</a:t>
             </a:r>
             <a:endParaRPr lang="pt-PT" altLang="pt-PT" sz="1400" dirty="0">
               <a:cs typeface="Arial" panose="020B0604020202020204" pitchFamily="34" charset="0"/>
@@ -8707,7 +8698,7 @@
         <p:spPr bwMode="auto">
           <a:xfrm>
             <a:off x="405946" y="1203170"/>
-            <a:ext cx="8509454" cy="1200329"/>
+            <a:ext cx="8509454" cy="1569660"/>
           </a:xfrm>
           <a:prstGeom prst="rect">
             <a:avLst/>
@@ -8873,19 +8864,43 @@
               <a:rPr lang="pt-PT" altLang="pt-PT" sz="1600" dirty="0">
                 <a:cs typeface="Arial" panose="020B0604020202020204" pitchFamily="34" charset="0"/>
               </a:rPr>
-              <a:t>■ Concluimos que este trabalho nos ajudou na percepção dos </a:t>
+              <a:t>■ </a:t>
             </a:r>
             <a:r>
               <a:rPr lang="pt-PT" altLang="pt-PT" sz="1600" dirty="0" smtClean="0">
                 <a:cs typeface="Arial" panose="020B0604020202020204" pitchFamily="34" charset="0"/>
               </a:rPr>
-              <a:t>algoritmos </a:t>
+              <a:t>Concluindo, com este </a:t>
             </a:r>
             <a:r>
               <a:rPr lang="pt-PT" altLang="pt-PT" sz="1600" dirty="0">
                 <a:cs typeface="Arial" panose="020B0604020202020204" pitchFamily="34" charset="0"/>
               </a:rPr>
-              <a:t>utilizados, tal como o Minimax e o Greedy, e também nos ajudou no desenvolvimento das nossas capacidades de desenvolvimento em Python.</a:t>
+              <a:t>trabalho c</a:t>
+            </a:r>
+            <a:r>
+              <a:rPr lang="pt-PT" altLang="pt-PT" sz="1600" dirty="0" smtClean="0">
+                <a:cs typeface="Arial" panose="020B0604020202020204" pitchFamily="34" charset="0"/>
+              </a:rPr>
+              <a:t>onseguimos aumentar o nosso conhecimento acerca de algoritmos de pesquisa num espaço de soluções e sobre como estes funcionam, para além disso, tivemos também oportunidade de desenvolver capacidades no </a:t>
+            </a:r>
+            <a:r>
+              <a:rPr lang="pt-PT" altLang="pt-PT" sz="1600" dirty="0">
+                <a:cs typeface="Arial" panose="020B0604020202020204" pitchFamily="34" charset="0"/>
+              </a:rPr>
+              <a:t>desenvolvimento </a:t>
+            </a:r>
+            <a:r>
+              <a:rPr lang="pt-PT" altLang="pt-PT" sz="1600" dirty="0" smtClean="0">
+                <a:cs typeface="Arial" panose="020B0604020202020204" pitchFamily="34" charset="0"/>
+              </a:rPr>
+              <a:t>em linguagem </a:t>
+            </a:r>
+            <a:r>
+              <a:rPr lang="pt-PT" altLang="pt-PT" sz="1600" dirty="0">
+                <a:cs typeface="Arial" panose="020B0604020202020204" pitchFamily="34" charset="0"/>
+              </a:rPr>
+              <a:t>Python.</a:t>
             </a:r>
             <a:endParaRPr lang="pt-PT" altLang="pt-PT" sz="1600" b="1" dirty="0"/>
           </a:p>
@@ -12620,7 +12635,7 @@
         </p:blipFill>
         <p:spPr>
           <a:xfrm>
-            <a:off x="2822647" y="3554024"/>
+            <a:off x="2894508" y="3381114"/>
             <a:ext cx="3581400" cy="2509690"/>
           </a:xfrm>
           <a:prstGeom prst="rect">
@@ -13199,13 +13214,7 @@
               <a:rPr lang="pt-PT" altLang="pt-PT" sz="1600" dirty="0" smtClean="0">
                 <a:cs typeface="Arial" panose="020B0604020202020204" pitchFamily="34" charset="0"/>
               </a:rPr>
-              <a:t>quando </a:t>
-            </a:r>
-            <a:r>
-              <a:rPr lang="pt-PT" altLang="pt-PT" sz="1600" dirty="0" smtClean="0">
-                <a:cs typeface="Arial" panose="020B0604020202020204" pitchFamily="34" charset="0"/>
-              </a:rPr>
-              <a:t>o </a:t>
+              <a:t>quando o </a:t>
             </a:r>
             <a:r>
               <a:rPr lang="pt-PT" altLang="pt-PT" sz="1600" dirty="0">
@@ -13217,13 +13226,7 @@
               <a:rPr lang="pt-PT" altLang="pt-PT" sz="1600" dirty="0" smtClean="0">
                 <a:cs typeface="Arial" panose="020B0604020202020204" pitchFamily="34" charset="0"/>
               </a:rPr>
-              <a:t>está</a:t>
-            </a:r>
-            <a:r>
-              <a:rPr lang="pt-PT" altLang="pt-PT" sz="1600" dirty="0" smtClean="0">
-                <a:cs typeface="Arial" panose="020B0604020202020204" pitchFamily="34" charset="0"/>
-              </a:rPr>
-              <a:t> </a:t>
+              <a:t>está </a:t>
             </a:r>
             <a:r>
               <a:rPr lang="pt-PT" altLang="pt-PT" sz="1600" dirty="0">
@@ -14094,8 +14097,8 @@
         </p:nvSpPr>
         <p:spPr bwMode="auto">
           <a:xfrm>
-            <a:off x="430481" y="1603893"/>
-            <a:ext cx="8509454" cy="4179606"/>
+            <a:off x="430481" y="1278530"/>
+            <a:ext cx="8509454" cy="2289858"/>
           </a:xfrm>
           <a:prstGeom prst="rect">
             <a:avLst/>
@@ -14255,153 +14258,126 @@
               <a:buNone/>
             </a:pPr>
             <a:r>
-              <a:rPr lang="pt-PT" altLang="pt-PT" sz="1600" dirty="0" smtClean="0">
+              <a:rPr lang="pt-PT" altLang="pt-PT" sz="1400" dirty="0" smtClean="0">
+                <a:cs typeface="Arial" panose="020B0604020202020204" pitchFamily="34" charset="0"/>
+              </a:rPr>
+              <a:t>■ O primeiro requisito é desenvolver o jogo e criar a representação do tabuleiro.</a:t>
+            </a:r>
+          </a:p>
+          <a:p>
+            <a:pPr>
+              <a:buNone/>
+            </a:pPr>
+            <a:endParaRPr lang="pt-PT" altLang="pt-PT" sz="1400" dirty="0" smtClean="0">
+              <a:cs typeface="Arial" panose="020B0604020202020204" pitchFamily="34" charset="0"/>
+            </a:endParaRPr>
+          </a:p>
+          <a:p>
+            <a:pPr>
+              <a:buNone/>
+            </a:pPr>
+            <a:r>
+              <a:rPr lang="pt-PT" altLang="pt-PT" sz="1400" dirty="0" smtClean="0">
                 <a:cs typeface="Arial" panose="020B0604020202020204" pitchFamily="34" charset="0"/>
               </a:rPr>
               <a:t>■ </a:t>
             </a:r>
             <a:r>
-              <a:rPr lang="pt-PT" altLang="pt-PT" sz="1600" dirty="0" smtClean="0"/>
-              <a:t>Na implementação é requirida a existência de</a:t>
-            </a:r>
-            <a:r>
-              <a:rPr lang="pt-PT" sz="1600" dirty="0" smtClean="0"/>
-              <a:t> 3 tipos de players controlados por IA e também a possibilidade de jogar IA vs Humano ou Humano vs Humano.</a:t>
+              <a:rPr lang="pt-PT" altLang="pt-PT" sz="1400" dirty="0" smtClean="0"/>
+              <a:t>Na </a:t>
+            </a:r>
+            <a:r>
+              <a:rPr lang="pt-PT" altLang="pt-PT" sz="1400" dirty="0" smtClean="0"/>
+              <a:t>implementação é requirida a existência de</a:t>
+            </a:r>
+            <a:r>
+              <a:rPr lang="pt-PT" sz="1400" dirty="0" smtClean="0"/>
+              <a:t> 3 tipos de players controlados por IA e também a possibilidade de jogar IA vs Humano ou Humano vs Humano</a:t>
+            </a:r>
+            <a:r>
+              <a:rPr lang="pt-PT" sz="1400" dirty="0" smtClean="0"/>
+              <a:t>.</a:t>
             </a:r>
           </a:p>
           <a:p>
             <a:pPr>
               <a:buNone/>
             </a:pPr>
-            <a:endParaRPr lang="pt-PT" sz="1600" dirty="0"/>
+            <a:endParaRPr lang="pt-PT" sz="1400" dirty="0"/>
           </a:p>
           <a:p>
             <a:pPr>
               <a:buNone/>
             </a:pPr>
             <a:r>
-              <a:rPr lang="pt-PT" altLang="pt-PT" sz="1600" dirty="0">
+              <a:rPr lang="pt-PT" altLang="pt-PT" sz="1400" dirty="0">
                 <a:cs typeface="Arial" panose="020B0604020202020204" pitchFamily="34" charset="0"/>
               </a:rPr>
               <a:t>■ </a:t>
             </a:r>
             <a:r>
-              <a:rPr lang="pt-PT" sz="1600" dirty="0" smtClean="0"/>
-              <a:t>Com as IA diferentes, o utilizador podrá escolher entre 3 dificuldades para o jogo, fácil, médio e difícil.</a:t>
-            </a:r>
-            <a:r>
-              <a:rPr lang="pt-PT" sz="1600" dirty="0"/>
+              <a:rPr lang="pt-PT" sz="1400" dirty="0" smtClean="0"/>
+              <a:t>Com as IA diferentes, o utilizador podrá escolher entre 3 dificuldades para o jogo, fácil, médio e difícil</a:t>
+            </a:r>
+            <a:r>
+              <a:rPr lang="pt-PT" sz="1400" dirty="0" smtClean="0"/>
+              <a:t>.</a:t>
+            </a:r>
+          </a:p>
+          <a:p>
+            <a:pPr>
+              <a:buNone/>
+            </a:pPr>
+            <a:r>
+              <a:rPr lang="pt-PT" sz="1400" dirty="0"/>
               <a:t> </a:t>
             </a:r>
-            <a:endParaRPr lang="pt-PT" sz="1600" dirty="0" smtClean="0"/>
           </a:p>
           <a:p>
             <a:pPr>
               <a:buNone/>
             </a:pPr>
-            <a:endParaRPr lang="pt-PT" sz="1600" dirty="0"/>
-          </a:p>
-          <a:p>
-            <a:pPr>
-              <a:buNone/>
-            </a:pPr>
-            <a:r>
-              <a:rPr lang="pt-PT" altLang="pt-PT" sz="1600" dirty="0">
+            <a:r>
+              <a:rPr lang="pt-PT" altLang="pt-PT" sz="1400" dirty="0">
                 <a:cs typeface="Arial" panose="020B0604020202020204" pitchFamily="34" charset="0"/>
               </a:rPr>
               <a:t>■ </a:t>
             </a:r>
             <a:r>
-              <a:rPr lang="pt-PT" sz="1600" dirty="0" smtClean="0"/>
+              <a:rPr lang="pt-PT" sz="1400" dirty="0" smtClean="0"/>
               <a:t>No </a:t>
             </a:r>
             <a:r>
-              <a:rPr lang="pt-PT" sz="1600" dirty="0"/>
+              <a:rPr lang="pt-PT" sz="1400" dirty="0"/>
               <a:t>nível “fácil” foi implementada a estratégia </a:t>
             </a:r>
             <a:r>
-              <a:rPr lang="pt-PT" sz="1600" dirty="0" smtClean="0"/>
+              <a:rPr lang="pt-PT" sz="1400" dirty="0" smtClean="0"/>
               <a:t>“Random”, com uma execução mais </a:t>
             </a:r>
             <a:r>
-              <a:rPr lang="pt-PT" sz="1600" dirty="0"/>
+              <a:rPr lang="pt-PT" sz="1400" dirty="0"/>
               <a:t>rápida </a:t>
             </a:r>
             <a:r>
-              <a:rPr lang="pt-PT" sz="1600" dirty="0" smtClean="0"/>
+              <a:rPr lang="pt-PT" sz="1400" dirty="0" smtClean="0"/>
               <a:t>comparativamente ao </a:t>
             </a:r>
             <a:r>
-              <a:rPr lang="pt-PT" sz="1600" dirty="0"/>
+              <a:rPr lang="pt-PT" sz="1400" dirty="0"/>
               <a:t>nível </a:t>
             </a:r>
             <a:r>
-              <a:rPr lang="pt-PT" sz="1600" dirty="0" smtClean="0"/>
+              <a:rPr lang="pt-PT" sz="1400" dirty="0" smtClean="0"/>
               <a:t>médio que utiliza o algoritmo “Greedy” </a:t>
             </a:r>
             <a:r>
-              <a:rPr lang="pt-PT" sz="1600" dirty="0"/>
+              <a:rPr lang="pt-PT" sz="1400" dirty="0"/>
               <a:t>e ao nível </a:t>
             </a:r>
             <a:r>
-              <a:rPr lang="pt-PT" sz="1600" dirty="0" smtClean="0"/>
-              <a:t>difícil que usa o “</a:t>
-            </a:r>
-            <a:r>
-              <a:rPr lang="pt-PT" sz="1600" smtClean="0"/>
-              <a:t>Minimax”.</a:t>
-            </a:r>
-            <a:endParaRPr lang="pt-PT" sz="1600" dirty="0" smtClean="0"/>
-          </a:p>
-          <a:p>
-            <a:pPr>
-              <a:buNone/>
-            </a:pPr>
-            <a:endParaRPr lang="pt-PT" sz="1600" dirty="0"/>
-          </a:p>
-          <a:p>
-            <a:pPr>
-              <a:buNone/>
-            </a:pPr>
-            <a:r>
-              <a:rPr lang="pt-PT" altLang="pt-PT" sz="1600" dirty="0">
-                <a:cs typeface="Arial" panose="020B0604020202020204" pitchFamily="34" charset="0"/>
-              </a:rPr>
-              <a:t>■ </a:t>
-            </a:r>
-            <a:r>
-              <a:rPr lang="pt-PT" sz="1600" dirty="0" smtClean="0"/>
-              <a:t>O </a:t>
-            </a:r>
-            <a:r>
-              <a:rPr lang="pt-PT" sz="1600" dirty="0"/>
-              <a:t>nível “médio” é composto por um minimax com profundidade 1, o nível médio ganha sempre ao nível fácil, no entanto perde sempre contra o nível difícil. </a:t>
-            </a:r>
-            <a:endParaRPr lang="pt-PT" sz="1600" dirty="0" smtClean="0"/>
-          </a:p>
-          <a:p>
-            <a:pPr>
-              <a:buNone/>
-            </a:pPr>
-            <a:endParaRPr lang="pt-PT" sz="1600" dirty="0"/>
-          </a:p>
-          <a:p>
-            <a:pPr>
-              <a:buNone/>
-            </a:pPr>
-            <a:r>
-              <a:rPr lang="pt-PT" altLang="pt-PT" sz="1600" dirty="0">
-                <a:cs typeface="Arial" panose="020B0604020202020204" pitchFamily="34" charset="0"/>
-              </a:rPr>
-              <a:t>■ </a:t>
-            </a:r>
-            <a:r>
-              <a:rPr lang="pt-PT" sz="1600" dirty="0" smtClean="0"/>
-              <a:t>O </a:t>
-            </a:r>
-            <a:r>
-              <a:rPr lang="pt-PT" sz="1600" dirty="0"/>
-              <a:t>nível “difícil” é composto por um minimax de profundidade 2, que ganha sempre aos outros dois níveis.</a:t>
+              <a:rPr lang="pt-PT" sz="1400" dirty="0" smtClean="0"/>
+              <a:t>difícil que usa o “Minimax”.</a:t>
             </a:r>
           </a:p>
         </p:txBody>
@@ -14833,6 +14809,66 @@
               <a:t>Trabalho Prático TP1~ desenvolver as capacidades dos estudantes na escrita de algoritmos de pesquisa de soluções</a:t>
             </a:r>
             <a:endParaRPr lang="pt-PT" sz="1050" dirty="0"/>
+          </a:p>
+        </p:txBody>
+      </p:sp>
+      <p:pic>
+        <p:nvPicPr>
+          <p:cNvPr id="2" name="Picture 1"/>
+          <p:cNvPicPr>
+            <a:picLocks noChangeAspect="1"/>
+          </p:cNvPicPr>
+          <p:nvPr/>
+        </p:nvPicPr>
+        <p:blipFill>
+          <a:blip r:embed="rId7">
+            <a:extLst>
+              <a:ext uri="{28A0092B-C50C-407E-A947-70E740481C1C}">
+                <a14:useLocalDpi xmlns:a14="http://schemas.microsoft.com/office/drawing/2010/main" val="0"/>
+              </a:ext>
+            </a:extLst>
+          </a:blip>
+          <a:stretch>
+            <a:fillRect/>
+          </a:stretch>
+        </p:blipFill>
+        <p:spPr>
+          <a:xfrm>
+            <a:off x="520069" y="3613026"/>
+            <a:ext cx="2888351" cy="2651117"/>
+          </a:xfrm>
+          <a:prstGeom prst="rect">
+            <a:avLst/>
+          </a:prstGeom>
+        </p:spPr>
+      </p:pic>
+      <p:sp>
+        <p:nvSpPr>
+          <p:cNvPr id="3" name="TextBox 2"/>
+          <p:cNvSpPr txBox="1"/>
+          <p:nvPr/>
+        </p:nvSpPr>
+        <p:spPr>
+          <a:xfrm>
+            <a:off x="3444279" y="5956366"/>
+            <a:ext cx="5090120" cy="307777"/>
+          </a:xfrm>
+          <a:prstGeom prst="rect">
+            <a:avLst/>
+          </a:prstGeom>
+          <a:noFill/>
+        </p:spPr>
+        <p:txBody>
+          <a:bodyPr wrap="square" rtlCol="0">
+            <a:spAutoFit/>
+          </a:bodyPr>
+          <a:lstStyle/>
+          <a:p>
+            <a:r>
+              <a:rPr lang="pt-PT" sz="1400" dirty="0" smtClean="0"/>
+              <a:t>Representação inicial do tabuleiro antes da sua implementação.</a:t>
+            </a:r>
+            <a:endParaRPr lang="pt-PT" sz="1400" dirty="0"/>
           </a:p>
         </p:txBody>
       </p:sp>
@@ -14928,19 +14964,7 @@
                 <a:latin typeface="Arial"/>
                 <a:cs typeface="Arial"/>
               </a:rPr>
-              <a:t> </a:t>
-            </a:r>
-            <a:r>
-              <a:rPr lang="pt-PT" sz="2000" b="1" dirty="0">
-                <a:effectLst>
-                  <a:outerShdw blurRad="38100" dist="38100" dir="2700000" algn="tl">
-                    <a:srgbClr val="C0C0C0"/>
-                  </a:outerShdw>
-                </a:effectLst>
-                <a:latin typeface="Arial"/>
-                <a:cs typeface="Arial"/>
-              </a:rPr>
-              <a:t>4</a:t>
+              <a:t> 4</a:t>
             </a:r>
             <a:r>
               <a:rPr lang="pt-PT" sz="2000" b="1" dirty="0" smtClean="0">
@@ -15188,8 +15212,8 @@
         </p:nvSpPr>
         <p:spPr bwMode="auto">
           <a:xfrm>
-            <a:off x="430481" y="1603893"/>
-            <a:ext cx="8509454" cy="3887731"/>
+            <a:off x="288458" y="1120010"/>
+            <a:ext cx="7332161" cy="3973395"/>
           </a:xfrm>
           <a:prstGeom prst="rect">
             <a:avLst/>
@@ -15345,60 +15369,6 @@
             </a:lvl9pPr>
           </a:lstStyle>
           <a:p>
-            <a:pPr algn="l">
-              <a:lnSpc>
-                <a:spcPct val="150000"/>
-              </a:lnSpc>
-              <a:buNone/>
-            </a:pPr>
-            <a:r>
-              <a:rPr lang="pt-PT" altLang="pt-PT" sz="1600" dirty="0">
-                <a:cs typeface="Arial" panose="020B0604020202020204" pitchFamily="34" charset="0"/>
-              </a:rPr>
-              <a:t>■ A cada turno, o jogador pode jogar uma das suas peças para algum lugar à distância de 1 ou 2 hexágonos em qualquer direção.</a:t>
-            </a:r>
-          </a:p>
-          <a:p>
-            <a:pPr algn="l">
-              <a:lnSpc>
-                <a:spcPct val="150000"/>
-              </a:lnSpc>
-              <a:buNone/>
-            </a:pPr>
-            <a:r>
-              <a:rPr lang="pt-PT" altLang="pt-PT" sz="1600" dirty="0">
-                <a:cs typeface="Arial" panose="020B0604020202020204" pitchFamily="34" charset="0"/>
-              </a:rPr>
-              <a:t>■ Depois de jogar, se o lugar de chegada for adjacente ao lugar de partida, uma nova peça é criada no lugar de partida. Se o lugar de chegada estiver adjacente a alguma peça </a:t>
-            </a:r>
-            <a:r>
-              <a:rPr lang="pt-PT" altLang="pt-PT" sz="1600" dirty="0" err="1">
-                <a:cs typeface="Arial" panose="020B0604020202020204" pitchFamily="34" charset="0"/>
-              </a:rPr>
-              <a:t>advesária</a:t>
-            </a:r>
-            <a:r>
-              <a:rPr lang="pt-PT" altLang="pt-PT" sz="1600" dirty="0">
-                <a:cs typeface="Arial" panose="020B0604020202020204" pitchFamily="34" charset="0"/>
-              </a:rPr>
-              <a:t>, todas as adjacentes são transformadas em peças do jogador desse turno.7</a:t>
-            </a:r>
-          </a:p>
-          <a:p>
-            <a:pPr algn="l">
-              <a:lnSpc>
-                <a:spcPct val="150000"/>
-              </a:lnSpc>
-              <a:buNone/>
-            </a:pPr>
-            <a:r>
-              <a:rPr lang="pt-PT" altLang="pt-PT" sz="1600" dirty="0">
-                <a:cs typeface="Arial" panose="020B0604020202020204" pitchFamily="34" charset="0"/>
-              </a:rPr>
-              <a:t>■ Jogadores tem de mover peças a menos que não seja possível, o que tem de passar obrigatoriamente.</a:t>
-            </a:r>
-          </a:p>
-          <a:p>
             <a:pPr>
               <a:lnSpc>
                 <a:spcPct val="150000"/>
@@ -15406,11 +15376,205 @@
               <a:buNone/>
             </a:pPr>
             <a:r>
-              <a:rPr lang="pt-PT" altLang="pt-PT" sz="1600" dirty="0">
+              <a:rPr lang="pt-PT" altLang="pt-PT" sz="1300" dirty="0" smtClean="0">
                 <a:cs typeface="Arial" panose="020B0604020202020204" pitchFamily="34" charset="0"/>
               </a:rPr>
-              <a:t>■ O jogo acaba quando todos os espaços forem cobertos, sendo o jogador com mais peças que ganha, ou quando algum dos jogadores ficar sem peças. Empate pode ocorrer na situação que o tabuleiro esteja cheio e o número de peças dos dois jogadores for o mesmo.</a:t>
-            </a:r>
+              <a:t>■ O tabuleiro é representado num ficheiro txt, onde indicamos a dimensão do tabuleiro na primeira linha, e nas linhas seguintes “desenhamos” o tabuleiro.</a:t>
+            </a:r>
+            <a:endParaRPr lang="pt-PT" altLang="pt-PT" sz="1300" dirty="0">
+              <a:cs typeface="Arial" panose="020B0604020202020204" pitchFamily="34" charset="0"/>
+            </a:endParaRPr>
+          </a:p>
+          <a:p>
+            <a:pPr>
+              <a:lnSpc>
+                <a:spcPct val="150000"/>
+              </a:lnSpc>
+              <a:buNone/>
+            </a:pPr>
+            <a:r>
+              <a:rPr lang="pt-PT" altLang="pt-PT" sz="1300" dirty="0">
+                <a:cs typeface="Arial" panose="020B0604020202020204" pitchFamily="34" charset="0"/>
+              </a:rPr>
+              <a:t>■ </a:t>
+            </a:r>
+            <a:r>
+              <a:rPr lang="pt-PT" altLang="pt-PT" sz="1300" dirty="0" smtClean="0">
+                <a:cs typeface="Arial" panose="020B0604020202020204" pitchFamily="34" charset="0"/>
+              </a:rPr>
+              <a:t>Para verificar </a:t>
+            </a:r>
+            <a:r>
+              <a:rPr lang="pt-PT" altLang="pt-PT" sz="1300" dirty="0">
+                <a:cs typeface="Arial" panose="020B0604020202020204" pitchFamily="34" charset="0"/>
+              </a:rPr>
+              <a:t>se uma jogada </a:t>
+            </a:r>
+            <a:r>
+              <a:rPr lang="pt-PT" altLang="pt-PT" sz="1300" dirty="0" smtClean="0">
+                <a:cs typeface="Arial" panose="020B0604020202020204" pitchFamily="34" charset="0"/>
+              </a:rPr>
+              <a:t>é válida realizam-se os passos seguintes:</a:t>
+            </a:r>
+            <a:endParaRPr lang="pt-PT" altLang="pt-PT" sz="1300" dirty="0">
+              <a:cs typeface="Arial" panose="020B0604020202020204" pitchFamily="34" charset="0"/>
+            </a:endParaRPr>
+          </a:p>
+          <a:p>
+            <a:pPr>
+              <a:lnSpc>
+                <a:spcPct val="150000"/>
+              </a:lnSpc>
+              <a:buNone/>
+            </a:pPr>
+            <a:r>
+              <a:rPr lang="pt-PT" altLang="pt-PT" sz="1300" dirty="0">
+                <a:cs typeface="Arial" panose="020B0604020202020204" pitchFamily="34" charset="0"/>
+              </a:rPr>
+              <a:t> </a:t>
+            </a:r>
+            <a:r>
+              <a:rPr lang="pt-PT" altLang="pt-PT" sz="1300" dirty="0" smtClean="0">
+                <a:cs typeface="Arial" panose="020B0604020202020204" pitchFamily="34" charset="0"/>
+              </a:rPr>
+              <a:t>   ■ Inserir </a:t>
+            </a:r>
+            <a:r>
+              <a:rPr lang="pt-PT" altLang="pt-PT" sz="1300" dirty="0">
+                <a:cs typeface="Arial" panose="020B0604020202020204" pitchFamily="34" charset="0"/>
+              </a:rPr>
+              <a:t>peça -</a:t>
+            </a:r>
+            <a:r>
+              <a:rPr lang="pt-PT" altLang="pt-PT" sz="1300" dirty="0" smtClean="0">
+                <a:cs typeface="Arial" panose="020B0604020202020204" pitchFamily="34" charset="0"/>
+              </a:rPr>
+              <a:t> Verificar se existem duas casas disponíveis á volta das peças e apenas podem ser inseridas num desses campos, caso seja 1 casa de distáncia a peça duplica, caso sejam 2 casas de distáncia a peça move para a casa pretendida ficando a casa  anterior vazia;</a:t>
+            </a:r>
+            <a:endParaRPr lang="pt-PT" altLang="pt-PT" sz="1300" dirty="0">
+              <a:cs typeface="Arial" panose="020B0604020202020204" pitchFamily="34" charset="0"/>
+            </a:endParaRPr>
+          </a:p>
+          <a:p>
+            <a:pPr>
+              <a:lnSpc>
+                <a:spcPct val="150000"/>
+              </a:lnSpc>
+              <a:buNone/>
+            </a:pPr>
+            <a:r>
+              <a:rPr lang="pt-PT" altLang="pt-PT" sz="1300" dirty="0">
+                <a:cs typeface="Arial" panose="020B0604020202020204" pitchFamily="34" charset="0"/>
+              </a:rPr>
+              <a:t> </a:t>
+            </a:r>
+            <a:r>
+              <a:rPr lang="pt-PT" altLang="pt-PT" sz="1300" dirty="0" smtClean="0">
+                <a:cs typeface="Arial" panose="020B0604020202020204" pitchFamily="34" charset="0"/>
+              </a:rPr>
+              <a:t>  ■ Mover </a:t>
+            </a:r>
+            <a:r>
+              <a:rPr lang="pt-PT" altLang="pt-PT" sz="1300" dirty="0">
+                <a:cs typeface="Arial" panose="020B0604020202020204" pitchFamily="34" charset="0"/>
+              </a:rPr>
+              <a:t>peça -</a:t>
+            </a:r>
+            <a:r>
+              <a:rPr lang="pt-PT" altLang="pt-PT" sz="1300" dirty="0" smtClean="0">
+                <a:cs typeface="Arial" panose="020B0604020202020204" pitchFamily="34" charset="0"/>
+              </a:rPr>
+              <a:t> Após verificar se a posição de destino está vazia, a peça é duplicada ou movido;</a:t>
+            </a:r>
+          </a:p>
+          <a:p>
+            <a:pPr>
+              <a:lnSpc>
+                <a:spcPct val="150000"/>
+              </a:lnSpc>
+              <a:buNone/>
+            </a:pPr>
+            <a:r>
+              <a:rPr lang="pt-PT" altLang="pt-PT" sz="1300" dirty="0">
+                <a:cs typeface="Arial" panose="020B0604020202020204" pitchFamily="34" charset="0"/>
+              </a:rPr>
+              <a:t> </a:t>
+            </a:r>
+            <a:r>
+              <a:rPr lang="pt-PT" altLang="pt-PT" sz="1300" dirty="0" smtClean="0">
+                <a:cs typeface="Arial" panose="020B0604020202020204" pitchFamily="34" charset="0"/>
+              </a:rPr>
+              <a:t>  ■ Infetar peça – Verifica se nas casas adjacentes existem peças, caso sim as peças </a:t>
+            </a:r>
+          </a:p>
+          <a:p>
+            <a:pPr>
+              <a:lnSpc>
+                <a:spcPct val="150000"/>
+              </a:lnSpc>
+              <a:buNone/>
+            </a:pPr>
+            <a:r>
+              <a:rPr lang="pt-PT" altLang="pt-PT" sz="1300" dirty="0" smtClean="0">
+                <a:cs typeface="Arial" panose="020B0604020202020204" pitchFamily="34" charset="0"/>
+              </a:rPr>
+              <a:t>adjacentes passam a ser da cor que verifica.</a:t>
+            </a:r>
+            <a:endParaRPr lang="pt-PT" altLang="pt-PT" sz="1300" dirty="0">
+              <a:cs typeface="Arial" panose="020B0604020202020204" pitchFamily="34" charset="0"/>
+            </a:endParaRPr>
+          </a:p>
+          <a:p>
+            <a:pPr>
+              <a:lnSpc>
+                <a:spcPct val="150000"/>
+              </a:lnSpc>
+              <a:buNone/>
+            </a:pPr>
+            <a:r>
+              <a:rPr lang="pt-PT" altLang="pt-PT" sz="1300" dirty="0" smtClean="0">
+                <a:cs typeface="Arial" panose="020B0604020202020204" pitchFamily="34" charset="0"/>
+              </a:rPr>
+              <a:t>■ O </a:t>
+            </a:r>
+            <a:r>
+              <a:rPr lang="pt-PT" altLang="pt-PT" sz="1300" dirty="0">
+                <a:cs typeface="Arial" panose="020B0604020202020204" pitchFamily="34" charset="0"/>
+              </a:rPr>
+              <a:t>jogo termina </a:t>
+            </a:r>
+            <a:r>
+              <a:rPr lang="pt-PT" altLang="pt-PT" sz="1300" dirty="0" smtClean="0">
+                <a:cs typeface="Arial" panose="020B0604020202020204" pitchFamily="34" charset="0"/>
+              </a:rPr>
+              <a:t>quando todas as casas forem ocupadas ou </a:t>
+            </a:r>
+            <a:r>
+              <a:rPr lang="pt-PT" altLang="pt-PT" sz="1300" dirty="0">
+                <a:cs typeface="Arial" panose="020B0604020202020204" pitchFamily="34" charset="0"/>
+              </a:rPr>
+              <a:t>se </a:t>
+            </a:r>
+            <a:endParaRPr lang="pt-PT" altLang="pt-PT" sz="1300" dirty="0" smtClean="0">
+              <a:cs typeface="Arial" panose="020B0604020202020204" pitchFamily="34" charset="0"/>
+            </a:endParaRPr>
+          </a:p>
+          <a:p>
+            <a:pPr>
+              <a:lnSpc>
+                <a:spcPct val="150000"/>
+              </a:lnSpc>
+              <a:buNone/>
+            </a:pPr>
+            <a:r>
+              <a:rPr lang="pt-PT" altLang="pt-PT" sz="1300" dirty="0" smtClean="0">
+                <a:cs typeface="Arial" panose="020B0604020202020204" pitchFamily="34" charset="0"/>
+              </a:rPr>
+              <a:t>todas as peças de um dos jogadores forem infetadas.</a:t>
+            </a:r>
+            <a:endParaRPr lang="pt-PT" altLang="pt-PT" sz="1300" dirty="0">
+              <a:cs typeface="Arial" panose="020B0604020202020204" pitchFamily="34" charset="0"/>
+            </a:endParaRPr>
           </a:p>
         </p:txBody>
       </p:sp>
@@ -15844,6 +16008,420 @@
           </a:p>
         </p:txBody>
       </p:sp>
+      <p:pic>
+        <p:nvPicPr>
+          <p:cNvPr id="2" name="Picture 1"/>
+          <p:cNvPicPr>
+            <a:picLocks noChangeAspect="1"/>
+          </p:cNvPicPr>
+          <p:nvPr/>
+        </p:nvPicPr>
+        <p:blipFill>
+          <a:blip r:embed="rId7"/>
+          <a:stretch>
+            <a:fillRect/>
+          </a:stretch>
+        </p:blipFill>
+        <p:spPr>
+          <a:xfrm>
+            <a:off x="7711500" y="1218822"/>
+            <a:ext cx="1278286" cy="1986154"/>
+          </a:xfrm>
+          <a:prstGeom prst="rect">
+            <a:avLst/>
+          </a:prstGeom>
+        </p:spPr>
+      </p:pic>
+      <p:pic>
+        <p:nvPicPr>
+          <p:cNvPr id="3" name="Picture 2"/>
+          <p:cNvPicPr>
+            <a:picLocks noChangeAspect="1"/>
+          </p:cNvPicPr>
+          <p:nvPr/>
+        </p:nvPicPr>
+        <p:blipFill>
+          <a:blip r:embed="rId8" cstate="print">
+            <a:extLst>
+              <a:ext uri="{28A0092B-C50C-407E-A947-70E740481C1C}">
+                <a14:useLocalDpi xmlns:a14="http://schemas.microsoft.com/office/drawing/2010/main" val="0"/>
+              </a:ext>
+            </a:extLst>
+          </a:blip>
+          <a:stretch>
+            <a:fillRect/>
+          </a:stretch>
+        </p:blipFill>
+        <p:spPr>
+          <a:xfrm>
+            <a:off x="7134401" y="3844885"/>
+            <a:ext cx="1853318" cy="1943096"/>
+          </a:xfrm>
+          <a:prstGeom prst="rect">
+            <a:avLst/>
+          </a:prstGeom>
+        </p:spPr>
+      </p:pic>
+      <p:cxnSp>
+        <p:nvCxnSpPr>
+          <p:cNvPr id="23" name="Straight Arrow Connector 22"/>
+          <p:cNvCxnSpPr>
+            <a:stCxn id="11" idx="3"/>
+          </p:cNvCxnSpPr>
+          <p:nvPr/>
+        </p:nvCxnSpPr>
+        <p:spPr>
+          <a:xfrm>
+            <a:off x="7543799" y="2944979"/>
+            <a:ext cx="394663" cy="969521"/>
+          </a:xfrm>
+          <a:prstGeom prst="straightConnector1">
+            <a:avLst/>
+          </a:prstGeom>
+          <a:ln w="38100">
+            <a:solidFill>
+              <a:srgbClr val="C00000"/>
+            </a:solidFill>
+            <a:tailEnd type="triangle"/>
+          </a:ln>
+        </p:spPr>
+        <p:style>
+          <a:lnRef idx="1">
+            <a:schemeClr val="accent1"/>
+          </a:lnRef>
+          <a:fillRef idx="0">
+            <a:schemeClr val="accent1"/>
+          </a:fillRef>
+          <a:effectRef idx="0">
+            <a:schemeClr val="accent1"/>
+          </a:effectRef>
+          <a:fontRef idx="minor">
+            <a:schemeClr val="tx1"/>
+          </a:fontRef>
+        </p:style>
+      </p:cxnSp>
+      <p:sp>
+        <p:nvSpPr>
+          <p:cNvPr id="11" name="Rectangle 10"/>
+          <p:cNvSpPr/>
+          <p:nvPr/>
+        </p:nvSpPr>
+        <p:spPr>
+          <a:xfrm>
+            <a:off x="306386" y="2191226"/>
+            <a:ext cx="7237413" cy="1507505"/>
+          </a:xfrm>
+          <a:prstGeom prst="rect">
+            <a:avLst/>
+          </a:prstGeom>
+          <a:noFill/>
+          <a:ln>
+            <a:solidFill>
+              <a:srgbClr val="C00000"/>
+            </a:solidFill>
+          </a:ln>
+        </p:spPr>
+        <p:style>
+          <a:lnRef idx="2">
+            <a:schemeClr val="accent1">
+              <a:shade val="50000"/>
+            </a:schemeClr>
+          </a:lnRef>
+          <a:fillRef idx="1">
+            <a:schemeClr val="accent1"/>
+          </a:fillRef>
+          <a:effectRef idx="0">
+            <a:schemeClr val="accent1"/>
+          </a:effectRef>
+          <a:fontRef idx="minor">
+            <a:schemeClr val="lt1"/>
+          </a:fontRef>
+        </p:style>
+        <p:txBody>
+          <a:bodyPr rtlCol="0" anchor="ctr"/>
+          <a:lstStyle/>
+          <a:p>
+            <a:pPr algn="ctr"/>
+            <a:endParaRPr lang="pt-PT">
+              <a:noFill/>
+            </a:endParaRPr>
+          </a:p>
+        </p:txBody>
+      </p:sp>
+      <p:cxnSp>
+        <p:nvCxnSpPr>
+          <p:cNvPr id="28" name="Straight Arrow Connector 27"/>
+          <p:cNvCxnSpPr>
+            <a:stCxn id="29" idx="3"/>
+          </p:cNvCxnSpPr>
+          <p:nvPr/>
+        </p:nvCxnSpPr>
+        <p:spPr>
+          <a:xfrm>
+            <a:off x="7288213" y="1465742"/>
+            <a:ext cx="423287" cy="355327"/>
+          </a:xfrm>
+          <a:prstGeom prst="straightConnector1">
+            <a:avLst/>
+          </a:prstGeom>
+          <a:ln w="38100">
+            <a:solidFill>
+              <a:srgbClr val="C00000"/>
+            </a:solidFill>
+            <a:tailEnd type="triangle"/>
+          </a:ln>
+        </p:spPr>
+        <p:style>
+          <a:lnRef idx="1">
+            <a:schemeClr val="accent1"/>
+          </a:lnRef>
+          <a:fillRef idx="0">
+            <a:schemeClr val="accent1"/>
+          </a:fillRef>
+          <a:effectRef idx="0">
+            <a:schemeClr val="accent1"/>
+          </a:effectRef>
+          <a:fontRef idx="minor">
+            <a:schemeClr val="tx1"/>
+          </a:fontRef>
+        </p:style>
+      </p:cxnSp>
+      <p:sp>
+        <p:nvSpPr>
+          <p:cNvPr id="29" name="Rectangle 28"/>
+          <p:cNvSpPr/>
+          <p:nvPr/>
+        </p:nvSpPr>
+        <p:spPr>
+          <a:xfrm>
+            <a:off x="306387" y="1161628"/>
+            <a:ext cx="6981826" cy="608228"/>
+          </a:xfrm>
+          <a:prstGeom prst="rect">
+            <a:avLst/>
+          </a:prstGeom>
+          <a:noFill/>
+          <a:ln>
+            <a:solidFill>
+              <a:srgbClr val="C00000"/>
+            </a:solidFill>
+          </a:ln>
+        </p:spPr>
+        <p:style>
+          <a:lnRef idx="2">
+            <a:schemeClr val="accent1">
+              <a:shade val="50000"/>
+            </a:schemeClr>
+          </a:lnRef>
+          <a:fillRef idx="1">
+            <a:schemeClr val="accent1"/>
+          </a:fillRef>
+          <a:effectRef idx="0">
+            <a:schemeClr val="accent1"/>
+          </a:effectRef>
+          <a:fontRef idx="minor">
+            <a:schemeClr val="lt1"/>
+          </a:fontRef>
+        </p:style>
+        <p:txBody>
+          <a:bodyPr rtlCol="0" anchor="ctr"/>
+          <a:lstStyle/>
+          <a:p>
+            <a:pPr algn="ctr"/>
+            <a:endParaRPr lang="pt-PT">
+              <a:noFill/>
+            </a:endParaRPr>
+          </a:p>
+        </p:txBody>
+      </p:sp>
+      <p:pic>
+        <p:nvPicPr>
+          <p:cNvPr id="9217" name="Picture 9216"/>
+          <p:cNvPicPr>
+            <a:picLocks noChangeAspect="1"/>
+          </p:cNvPicPr>
+          <p:nvPr/>
+        </p:nvPicPr>
+        <p:blipFill>
+          <a:blip r:embed="rId9" cstate="print">
+            <a:extLst>
+              <a:ext uri="{28A0092B-C50C-407E-A947-70E740481C1C}">
+                <a14:useLocalDpi xmlns:a14="http://schemas.microsoft.com/office/drawing/2010/main" val="0"/>
+              </a:ext>
+            </a:extLst>
+          </a:blip>
+          <a:stretch>
+            <a:fillRect/>
+          </a:stretch>
+        </p:blipFill>
+        <p:spPr>
+          <a:xfrm>
+            <a:off x="5224587" y="4454341"/>
+            <a:ext cx="1816197" cy="1923937"/>
+          </a:xfrm>
+          <a:prstGeom prst="rect">
+            <a:avLst/>
+          </a:prstGeom>
+        </p:spPr>
+      </p:pic>
+      <p:cxnSp>
+        <p:nvCxnSpPr>
+          <p:cNvPr id="38" name="Straight Arrow Connector 37"/>
+          <p:cNvCxnSpPr/>
+          <p:nvPr/>
+        </p:nvCxnSpPr>
+        <p:spPr>
+          <a:xfrm>
+            <a:off x="5029200" y="4384825"/>
+            <a:ext cx="228600" cy="491975"/>
+          </a:xfrm>
+          <a:prstGeom prst="straightConnector1">
+            <a:avLst/>
+          </a:prstGeom>
+          <a:ln w="38100">
+            <a:solidFill>
+              <a:srgbClr val="C00000"/>
+            </a:solidFill>
+            <a:tailEnd type="triangle"/>
+          </a:ln>
+        </p:spPr>
+        <p:style>
+          <a:lnRef idx="1">
+            <a:schemeClr val="accent1"/>
+          </a:lnRef>
+          <a:fillRef idx="0">
+            <a:schemeClr val="accent1"/>
+          </a:fillRef>
+          <a:effectRef idx="0">
+            <a:schemeClr val="accent1"/>
+          </a:effectRef>
+          <a:fontRef idx="minor">
+            <a:schemeClr val="tx1"/>
+          </a:fontRef>
+        </p:style>
+      </p:cxnSp>
+      <p:sp>
+        <p:nvSpPr>
+          <p:cNvPr id="39" name="Rectangle 38"/>
+          <p:cNvSpPr/>
+          <p:nvPr/>
+        </p:nvSpPr>
+        <p:spPr>
+          <a:xfrm>
+            <a:off x="351915" y="3744132"/>
+            <a:ext cx="6464644" cy="640694"/>
+          </a:xfrm>
+          <a:prstGeom prst="rect">
+            <a:avLst/>
+          </a:prstGeom>
+          <a:noFill/>
+          <a:ln>
+            <a:solidFill>
+              <a:srgbClr val="C00000"/>
+            </a:solidFill>
+          </a:ln>
+        </p:spPr>
+        <p:style>
+          <a:lnRef idx="2">
+            <a:schemeClr val="accent1">
+              <a:shade val="50000"/>
+            </a:schemeClr>
+          </a:lnRef>
+          <a:fillRef idx="1">
+            <a:schemeClr val="accent1"/>
+          </a:fillRef>
+          <a:effectRef idx="0">
+            <a:schemeClr val="accent1"/>
+          </a:effectRef>
+          <a:fontRef idx="minor">
+            <a:schemeClr val="lt1"/>
+          </a:fontRef>
+        </p:style>
+        <p:txBody>
+          <a:bodyPr rtlCol="0" anchor="ctr"/>
+          <a:lstStyle/>
+          <a:p>
+            <a:pPr algn="ctr"/>
+            <a:endParaRPr lang="pt-PT">
+              <a:noFill/>
+            </a:endParaRPr>
+          </a:p>
+        </p:txBody>
+      </p:sp>
+      <p:sp>
+        <p:nvSpPr>
+          <p:cNvPr id="9223" name="TextBox 9222"/>
+          <p:cNvSpPr txBox="1"/>
+          <p:nvPr/>
+        </p:nvSpPr>
+        <p:spPr>
+          <a:xfrm>
+            <a:off x="250825" y="5365529"/>
+            <a:ext cx="3530821" cy="692497"/>
+          </a:xfrm>
+          <a:prstGeom prst="rect">
+            <a:avLst/>
+          </a:prstGeom>
+          <a:noFill/>
+        </p:spPr>
+        <p:txBody>
+          <a:bodyPr wrap="square" rtlCol="0">
+            <a:spAutoFit/>
+          </a:bodyPr>
+          <a:lstStyle/>
+          <a:p>
+            <a:pPr>
+              <a:lnSpc>
+                <a:spcPct val="150000"/>
+              </a:lnSpc>
+              <a:buNone/>
+            </a:pPr>
+            <a:r>
+              <a:rPr lang="pt-PT" altLang="pt-PT" sz="1300" dirty="0" smtClean="0">
+                <a:cs typeface="Arial" panose="020B0604020202020204" pitchFamily="34" charset="0"/>
+              </a:rPr>
+              <a:t>Neste caso foi inserida uma peça azul que infetou as peças á esquerda das vermelhas existentas.</a:t>
+            </a:r>
+            <a:endParaRPr lang="pt-PT" sz="1300" dirty="0"/>
+          </a:p>
+        </p:txBody>
+      </p:sp>
+      <p:cxnSp>
+        <p:nvCxnSpPr>
+          <p:cNvPr id="48" name="Straight Arrow Connector 47"/>
+          <p:cNvCxnSpPr/>
+          <p:nvPr/>
+        </p:nvCxnSpPr>
+        <p:spPr>
+          <a:xfrm>
+            <a:off x="3683000" y="5718766"/>
+            <a:ext cx="1852613" cy="234541"/>
+          </a:xfrm>
+          <a:prstGeom prst="straightConnector1">
+            <a:avLst/>
+          </a:prstGeom>
+          <a:ln w="38100">
+            <a:solidFill>
+              <a:srgbClr val="C00000"/>
+            </a:solidFill>
+            <a:tailEnd type="triangle"/>
+          </a:ln>
+        </p:spPr>
+        <p:style>
+          <a:lnRef idx="1">
+            <a:schemeClr val="accent1"/>
+          </a:lnRef>
+          <a:fillRef idx="0">
+            <a:schemeClr val="accent1"/>
+          </a:fillRef>
+          <a:effectRef idx="0">
+            <a:schemeClr val="accent1"/>
+          </a:effectRef>
+          <a:fontRef idx="minor">
+            <a:schemeClr val="tx1"/>
+          </a:fontRef>
+        </p:style>
+      </p:cxnSp>
     </p:spTree>
     <p:extLst>
       <p:ext uri="{BB962C8B-B14F-4D97-AF65-F5344CB8AC3E}">
@@ -19242,9 +19820,6 @@
               </a:rPr>
               <a:t>*(Player 1 vermelho e player 2 azul)</a:t>
             </a:r>
-            <a:endParaRPr lang="pt-PT" altLang="pt-PT" sz="1100" dirty="0">
-              <a:cs typeface="Arial" panose="020B0604020202020204" pitchFamily="34" charset="0"/>
-            </a:endParaRPr>
           </a:p>
         </p:txBody>
       </p:sp>
